--- a/code/templates/BlueYellow.pptx
+++ b/code/templates/BlueYellow.pptx
@@ -108,6 +108,9 @@
     <p:ext uri="{EFAFB233-063F-42B5-8137-9DF3F51BA10A}">
       <p15:sldGuideLst xmlns:p15="http://schemas.microsoft.com/office/powerpoint/2012/main"/>
     </p:ext>
+    <p:ext uri="{2D200454-40CA-4A62-9FC3-DE9A4176ACB9}">
+      <p15:notesGuideLst xmlns:p15="http://schemas.microsoft.com/office/powerpoint/2012/main"/>
+    </p:ext>
   </p:extLst>
 </p:presentation>
 </file>
@@ -206,7 +209,7 @@
           <a:p>
             <a:fld id="{25B43EA9-9696-4803-B8FC-DB8ADD1733B5}" type="datetimeFigureOut">
               <a:rPr lang="en-US" smtClean="0"/>
-              <a:t>9/18/2024</a:t>
+              <a:t>9/25/2024</a:t>
             </a:fld>
             <a:endParaRPr lang="en-US"/>
           </a:p>
@@ -349,96 +352,19 @@
           </a:xfrm>
         </p:spPr>
         <p:txBody>
-          <a:bodyPr/>
-          <a:lstStyle/>
+          <a:bodyPr>
+            <a:normAutofit/>
+          </a:bodyPr>
+          <a:lstStyle>
+            <a:lvl1pPr>
+              <a:defRPr sz="2400"/>
+            </a:lvl1pPr>
+          </a:lstStyle>
           <a:p>
             <a:r>
-              <a:rPr lang="en-US"/>
+              <a:rPr lang="en-US" dirty="0"/>
               <a:t>Click to edit Master title style</a:t>
             </a:r>
-          </a:p>
-        </p:txBody>
-      </p:sp>
-      <p:sp>
-        <p:nvSpPr>
-          <p:cNvPr id="3" name="Date Placeholder 2">
-            <a:extLst>
-              <a:ext uri="{FF2B5EF4-FFF2-40B4-BE49-F238E27FC236}">
-                <a16:creationId xmlns:a16="http://schemas.microsoft.com/office/drawing/2014/main" id="{89D1294B-FAEF-DD29-D901-3CFD04F103EB}"/>
-              </a:ext>
-            </a:extLst>
-          </p:cNvPr>
-          <p:cNvSpPr>
-            <a:spLocks noGrp="1"/>
-          </p:cNvSpPr>
-          <p:nvPr>
-            <p:ph type="dt" sz="half" idx="10"/>
-          </p:nvPr>
-        </p:nvSpPr>
-        <p:spPr/>
-        <p:txBody>
-          <a:bodyPr/>
-          <a:lstStyle/>
-          <a:p>
-            <a:fld id="{A55E709B-C4AD-4356-B3D6-20DACB20CCCE}" type="datetimeFigureOut">
-              <a:rPr lang="en-US" smtClean="0"/>
-              <a:t>9/18/2024</a:t>
-            </a:fld>
-            <a:endParaRPr lang="en-US"/>
-          </a:p>
-        </p:txBody>
-      </p:sp>
-      <p:sp>
-        <p:nvSpPr>
-          <p:cNvPr id="4" name="Footer Placeholder 3">
-            <a:extLst>
-              <a:ext uri="{FF2B5EF4-FFF2-40B4-BE49-F238E27FC236}">
-                <a16:creationId xmlns:a16="http://schemas.microsoft.com/office/drawing/2014/main" id="{A59E02D1-DE7C-1F67-104F-04CDF36671A8}"/>
-              </a:ext>
-            </a:extLst>
-          </p:cNvPr>
-          <p:cNvSpPr>
-            <a:spLocks noGrp="1"/>
-          </p:cNvSpPr>
-          <p:nvPr>
-            <p:ph type="ftr" sz="quarter" idx="11"/>
-          </p:nvPr>
-        </p:nvSpPr>
-        <p:spPr/>
-        <p:txBody>
-          <a:bodyPr/>
-          <a:lstStyle/>
-          <a:p>
-            <a:endParaRPr lang="en-US"/>
-          </a:p>
-        </p:txBody>
-      </p:sp>
-      <p:sp>
-        <p:nvSpPr>
-          <p:cNvPr id="5" name="Slide Number Placeholder 4">
-            <a:extLst>
-              <a:ext uri="{FF2B5EF4-FFF2-40B4-BE49-F238E27FC236}">
-                <a16:creationId xmlns:a16="http://schemas.microsoft.com/office/drawing/2014/main" id="{C4A01CCE-CB05-7B1E-111D-A298914021FD}"/>
-              </a:ext>
-            </a:extLst>
-          </p:cNvPr>
-          <p:cNvSpPr>
-            <a:spLocks noGrp="1"/>
-          </p:cNvSpPr>
-          <p:nvPr>
-            <p:ph type="sldNum" sz="quarter" idx="12"/>
-          </p:nvPr>
-        </p:nvSpPr>
-        <p:spPr/>
-        <p:txBody>
-          <a:bodyPr/>
-          <a:lstStyle/>
-          <a:p>
-            <a:fld id="{ECE9279C-7783-41E7-AC24-D1691E4F447C}" type="slidenum">
-              <a:rPr lang="en-US" smtClean="0"/>
-              <a:t>‹#›</a:t>
-            </a:fld>
-            <a:endParaRPr lang="en-US"/>
           </a:p>
         </p:txBody>
       </p:sp>
@@ -558,86 +484,6 @@
       </p:sp>
       <p:sp>
         <p:nvSpPr>
-          <p:cNvPr id="9" name="Date Placeholder 8"/>
-          <p:cNvSpPr>
-            <a:spLocks noGrp="1"/>
-          </p:cNvSpPr>
-          <p:nvPr>
-            <p:ph type="dt" sz="half" idx="10"/>
-          </p:nvPr>
-        </p:nvSpPr>
-        <p:spPr/>
-        <p:txBody>
-          <a:bodyPr/>
-          <a:lstStyle/>
-          <a:p>
-            <a:fld id="{A55E709B-C4AD-4356-B3D6-20DACB20CCCE}" type="datetimeFigureOut">
-              <a:rPr lang="en-US" smtClean="0"/>
-              <a:t>9/18/2024</a:t>
-            </a:fld>
-            <a:endParaRPr lang="en-US"/>
-          </a:p>
-        </p:txBody>
-      </p:sp>
-      <p:sp>
-        <p:nvSpPr>
-          <p:cNvPr id="10" name="Footer Placeholder 9"/>
-          <p:cNvSpPr>
-            <a:spLocks noGrp="1"/>
-          </p:cNvSpPr>
-          <p:nvPr>
-            <p:ph type="ftr" sz="quarter" idx="11"/>
-          </p:nvPr>
-        </p:nvSpPr>
-        <p:spPr>
-          <a:xfrm>
-            <a:off x="804672" y="6236208"/>
-            <a:ext cx="5124797" cy="320040"/>
-          </a:xfrm>
-        </p:spPr>
-        <p:txBody>
-          <a:bodyPr/>
-          <a:lstStyle>
-            <a:lvl1pPr>
-              <a:defRPr>
-                <a:solidFill>
-                  <a:srgbClr val="FFFFFF">
-                    <a:alpha val="70000"/>
-                  </a:srgbClr>
-                </a:solidFill>
-              </a:defRPr>
-            </a:lvl1pPr>
-          </a:lstStyle>
-          <a:p>
-            <a:endParaRPr lang="en-US"/>
-          </a:p>
-        </p:txBody>
-      </p:sp>
-      <p:sp>
-        <p:nvSpPr>
-          <p:cNvPr id="11" name="Slide Number Placeholder 10"/>
-          <p:cNvSpPr>
-            <a:spLocks noGrp="1"/>
-          </p:cNvSpPr>
-          <p:nvPr>
-            <p:ph type="sldNum" sz="quarter" idx="12"/>
-          </p:nvPr>
-        </p:nvSpPr>
-        <p:spPr/>
-        <p:txBody>
-          <a:bodyPr/>
-          <a:lstStyle/>
-          <a:p>
-            <a:fld id="{ECE9279C-7783-41E7-AC24-D1691E4F447C}" type="slidenum">
-              <a:rPr lang="en-US" smtClean="0"/>
-              <a:t>‹#›</a:t>
-            </a:fld>
-            <a:endParaRPr lang="en-US"/>
-          </a:p>
-        </p:txBody>
-      </p:sp>
-      <p:sp>
-        <p:nvSpPr>
           <p:cNvPr id="3" name="Text Placeholder 3">
             <a:extLst>
               <a:ext uri="{FF2B5EF4-FFF2-40B4-BE49-F238E27FC236}">
@@ -654,17 +500,19 @@
         </p:nvSpPr>
         <p:spPr>
           <a:xfrm>
-            <a:off x="6836415" y="295216"/>
+            <a:off x="6801910" y="568481"/>
             <a:ext cx="4895509" cy="5721037"/>
           </a:xfrm>
         </p:spPr>
         <p:txBody>
-          <a:bodyPr anchor="ctr"/>
+          <a:bodyPr anchor="ctr">
+            <a:normAutofit/>
+          </a:bodyPr>
           <a:lstStyle>
             <a:lvl1pPr marL="285750" indent="-285750">
               <a:buFont typeface="Wingdings" panose="05000000000000000000" pitchFamily="2" charset="2"/>
               <a:buChar char="§"/>
-              <a:defRPr sz="1600"/>
+              <a:defRPr sz="2400"/>
             </a:lvl1pPr>
             <a:lvl2pPr marL="457200" indent="0">
               <a:buNone/>
@@ -702,7 +550,7 @@
           <a:p>
             <a:pPr lvl="0"/>
             <a:r>
-              <a:rPr lang="en-US"/>
+              <a:rPr lang="en-US" dirty="0"/>
               <a:t>Click to edit Master text styles</a:t>
             </a:r>
           </a:p>
@@ -834,101 +682,6 @@
       </p:sp>
       <p:sp>
         <p:nvSpPr>
-          <p:cNvPr id="8" name="Date Placeholder 7"/>
-          <p:cNvSpPr>
-            <a:spLocks noGrp="1"/>
-          </p:cNvSpPr>
-          <p:nvPr>
-            <p:ph type="dt" sz="half" idx="10"/>
-          </p:nvPr>
-        </p:nvSpPr>
-        <p:spPr/>
-        <p:txBody>
-          <a:bodyPr/>
-          <a:lstStyle>
-            <a:lvl1pPr>
-              <a:defRPr>
-                <a:solidFill>
-                  <a:srgbClr val="FFFFFF"/>
-                </a:solidFill>
-                <a:effectLst>
-                  <a:outerShdw blurRad="50800" dist="38100" dir="2700000" algn="tl" rotWithShape="0">
-                    <a:prstClr val="black">
-                      <a:alpha val="43000"/>
-                    </a:prstClr>
-                  </a:outerShdw>
-                </a:effectLst>
-              </a:defRPr>
-            </a:lvl1pPr>
-          </a:lstStyle>
-          <a:p>
-            <a:fld id="{A55E709B-C4AD-4356-B3D6-20DACB20CCCE}" type="datetimeFigureOut">
-              <a:rPr lang="en-US" smtClean="0"/>
-              <a:t>9/18/2024</a:t>
-            </a:fld>
-            <a:endParaRPr lang="en-US"/>
-          </a:p>
-        </p:txBody>
-      </p:sp>
-      <p:sp>
-        <p:nvSpPr>
-          <p:cNvPr id="9" name="Footer Placeholder 8"/>
-          <p:cNvSpPr>
-            <a:spLocks noGrp="1"/>
-          </p:cNvSpPr>
-          <p:nvPr>
-            <p:ph type="ftr" sz="quarter" idx="11"/>
-          </p:nvPr>
-        </p:nvSpPr>
-        <p:spPr>
-          <a:xfrm>
-            <a:off x="804672" y="6236208"/>
-            <a:ext cx="5124797" cy="320040"/>
-          </a:xfrm>
-        </p:spPr>
-        <p:txBody>
-          <a:bodyPr/>
-          <a:lstStyle>
-            <a:lvl1pPr>
-              <a:defRPr>
-                <a:solidFill>
-                  <a:srgbClr val="FFFFFF">
-                    <a:alpha val="70000"/>
-                  </a:srgbClr>
-                </a:solidFill>
-              </a:defRPr>
-            </a:lvl1pPr>
-          </a:lstStyle>
-          <a:p>
-            <a:endParaRPr lang="en-US"/>
-          </a:p>
-        </p:txBody>
-      </p:sp>
-      <p:sp>
-        <p:nvSpPr>
-          <p:cNvPr id="10" name="Slide Number Placeholder 9"/>
-          <p:cNvSpPr>
-            <a:spLocks noGrp="1"/>
-          </p:cNvSpPr>
-          <p:nvPr>
-            <p:ph type="sldNum" sz="quarter" idx="12"/>
-          </p:nvPr>
-        </p:nvSpPr>
-        <p:spPr/>
-        <p:txBody>
-          <a:bodyPr/>
-          <a:lstStyle/>
-          <a:p>
-            <a:fld id="{ECE9279C-7783-41E7-AC24-D1691E4F447C}" type="slidenum">
-              <a:rPr lang="en-US" smtClean="0"/>
-              <a:t>‹#›</a:t>
-            </a:fld>
-            <a:endParaRPr lang="en-US"/>
-          </a:p>
-        </p:txBody>
-      </p:sp>
-      <p:sp>
-        <p:nvSpPr>
           <p:cNvPr id="4" name="Text Placeholder 3">
             <a:extLst>
               <a:ext uri="{FF2B5EF4-FFF2-40B4-BE49-F238E27FC236}">
@@ -950,12 +703,14 @@
           </a:xfrm>
         </p:spPr>
         <p:txBody>
-          <a:bodyPr anchor="ctr"/>
+          <a:bodyPr anchor="ctr">
+            <a:normAutofit/>
+          </a:bodyPr>
           <a:lstStyle>
             <a:lvl1pPr marL="285750" indent="-285750">
               <a:buFont typeface="Wingdings" panose="05000000000000000000" pitchFamily="2" charset="2"/>
               <a:buChar char="§"/>
-              <a:defRPr sz="1600"/>
+              <a:defRPr sz="2400"/>
             </a:lvl1pPr>
             <a:lvl2pPr marL="457200" indent="0">
               <a:buNone/>
@@ -993,7 +748,7 @@
           <a:p>
             <a:pPr lvl="0"/>
             <a:r>
-              <a:rPr lang="en-US"/>
+              <a:rPr lang="en-US" dirty="0"/>
               <a:t>Click to edit Master text styles</a:t>
             </a:r>
           </a:p>
@@ -1157,101 +912,6 @@
       </p:sp>
       <p:sp>
         <p:nvSpPr>
-          <p:cNvPr id="8" name="Date Placeholder 7"/>
-          <p:cNvSpPr>
-            <a:spLocks noGrp="1"/>
-          </p:cNvSpPr>
-          <p:nvPr>
-            <p:ph type="dt" sz="half" idx="10"/>
-          </p:nvPr>
-        </p:nvSpPr>
-        <p:spPr/>
-        <p:txBody>
-          <a:bodyPr/>
-          <a:lstStyle>
-            <a:lvl1pPr>
-              <a:defRPr>
-                <a:solidFill>
-                  <a:srgbClr val="FFFFFF"/>
-                </a:solidFill>
-                <a:effectLst>
-                  <a:outerShdw blurRad="50800" dist="38100" dir="2700000" algn="tl" rotWithShape="0">
-                    <a:prstClr val="black">
-                      <a:alpha val="43000"/>
-                    </a:prstClr>
-                  </a:outerShdw>
-                </a:effectLst>
-              </a:defRPr>
-            </a:lvl1pPr>
-          </a:lstStyle>
-          <a:p>
-            <a:fld id="{A55E709B-C4AD-4356-B3D6-20DACB20CCCE}" type="datetimeFigureOut">
-              <a:rPr lang="en-US" smtClean="0"/>
-              <a:t>9/18/2024</a:t>
-            </a:fld>
-            <a:endParaRPr lang="en-US"/>
-          </a:p>
-        </p:txBody>
-      </p:sp>
-      <p:sp>
-        <p:nvSpPr>
-          <p:cNvPr id="9" name="Footer Placeholder 8"/>
-          <p:cNvSpPr>
-            <a:spLocks noGrp="1"/>
-          </p:cNvSpPr>
-          <p:nvPr>
-            <p:ph type="ftr" sz="quarter" idx="11"/>
-          </p:nvPr>
-        </p:nvSpPr>
-        <p:spPr>
-          <a:xfrm>
-            <a:off x="804672" y="6236208"/>
-            <a:ext cx="5124797" cy="320040"/>
-          </a:xfrm>
-        </p:spPr>
-        <p:txBody>
-          <a:bodyPr/>
-          <a:lstStyle>
-            <a:lvl1pPr>
-              <a:defRPr>
-                <a:solidFill>
-                  <a:srgbClr val="FFFFFF">
-                    <a:alpha val="70000"/>
-                  </a:srgbClr>
-                </a:solidFill>
-              </a:defRPr>
-            </a:lvl1pPr>
-          </a:lstStyle>
-          <a:p>
-            <a:endParaRPr lang="en-US"/>
-          </a:p>
-        </p:txBody>
-      </p:sp>
-      <p:sp>
-        <p:nvSpPr>
-          <p:cNvPr id="10" name="Slide Number Placeholder 9"/>
-          <p:cNvSpPr>
-            <a:spLocks noGrp="1"/>
-          </p:cNvSpPr>
-          <p:nvPr>
-            <p:ph type="sldNum" sz="quarter" idx="12"/>
-          </p:nvPr>
-        </p:nvSpPr>
-        <p:spPr/>
-        <p:txBody>
-          <a:bodyPr/>
-          <a:lstStyle/>
-          <a:p>
-            <a:fld id="{ECE9279C-7783-41E7-AC24-D1691E4F447C}" type="slidenum">
-              <a:rPr lang="en-US" smtClean="0"/>
-              <a:t>‹#›</a:t>
-            </a:fld>
-            <a:endParaRPr lang="en-US"/>
-          </a:p>
-        </p:txBody>
-      </p:sp>
-      <p:sp>
-        <p:nvSpPr>
           <p:cNvPr id="6" name="Picture Placeholder 8">
             <a:extLst>
               <a:ext uri="{FF2B5EF4-FFF2-40B4-BE49-F238E27FC236}">
@@ -1306,12 +966,15 @@
           </a:xfrm>
         </p:spPr>
         <p:txBody>
-          <a:bodyPr anchor="ctr"/>
+          <a:bodyPr anchor="ctr">
+            <a:normAutofit/>
+          </a:bodyPr>
           <a:lstStyle>
             <a:lvl1pPr marL="285750" indent="-285750">
-              <a:buFont typeface="Wingdings" panose="05000000000000000000" pitchFamily="2" charset="2"/>
-              <a:buChar char="§"/>
-              <a:defRPr sz="1600"/>
+              <a:buClrTx/>
+              <a:buFont typeface="Arial" panose="020B0604020202020204" pitchFamily="34" charset="0"/>
+              <a:buChar char="•"/>
+              <a:defRPr sz="2400"/>
             </a:lvl1pPr>
             <a:lvl2pPr marL="457200" indent="0">
               <a:buNone/>
@@ -1349,7 +1012,7 @@
           <a:p>
             <a:pPr lvl="0"/>
             <a:r>
-              <a:rPr lang="en-US"/>
+              <a:rPr lang="en-US" dirty="0"/>
               <a:t>Click to edit Master text styles</a:t>
             </a:r>
           </a:p>
@@ -1618,12 +1281,12 @@
           </a:xfrm>
         </p:spPr>
         <p:txBody>
-          <a:bodyPr anchor="b">
+          <a:bodyPr anchor="ctr">
             <a:normAutofit/>
           </a:bodyPr>
           <a:lstStyle>
             <a:lvl1pPr algn="l">
-              <a:defRPr sz="3600" b="0" cap="none"/>
+              <a:defRPr sz="2800" b="0" cap="none"/>
             </a:lvl1pPr>
           </a:lstStyle>
           <a:p>
@@ -1631,71 +1294,6 @@
               <a:rPr lang="en-US" dirty="0"/>
               <a:t>CLICK TO EDIT MASTER TITLE SLIDE</a:t>
             </a:r>
-          </a:p>
-        </p:txBody>
-      </p:sp>
-      <p:sp>
-        <p:nvSpPr>
-          <p:cNvPr id="4" name="Date Placeholder 3"/>
-          <p:cNvSpPr>
-            <a:spLocks noGrp="1"/>
-          </p:cNvSpPr>
-          <p:nvPr>
-            <p:ph type="dt" sz="half" idx="10"/>
-          </p:nvPr>
-        </p:nvSpPr>
-        <p:spPr/>
-        <p:txBody>
-          <a:bodyPr/>
-          <a:lstStyle/>
-          <a:p>
-            <a:fld id="{A55E709B-C4AD-4356-B3D6-20DACB20CCCE}" type="datetimeFigureOut">
-              <a:rPr lang="en-US" smtClean="0"/>
-              <a:t>9/18/2024</a:t>
-            </a:fld>
-            <a:endParaRPr lang="en-US"/>
-          </a:p>
-        </p:txBody>
-      </p:sp>
-      <p:sp>
-        <p:nvSpPr>
-          <p:cNvPr id="5" name="Footer Placeholder 4"/>
-          <p:cNvSpPr>
-            <a:spLocks noGrp="1"/>
-          </p:cNvSpPr>
-          <p:nvPr>
-            <p:ph type="ftr" sz="quarter" idx="11"/>
-          </p:nvPr>
-        </p:nvSpPr>
-        <p:spPr/>
-        <p:txBody>
-          <a:bodyPr/>
-          <a:lstStyle/>
-          <a:p>
-            <a:endParaRPr lang="en-US"/>
-          </a:p>
-        </p:txBody>
-      </p:sp>
-      <p:sp>
-        <p:nvSpPr>
-          <p:cNvPr id="6" name="Slide Number Placeholder 5"/>
-          <p:cNvSpPr>
-            <a:spLocks noGrp="1"/>
-          </p:cNvSpPr>
-          <p:nvPr>
-            <p:ph type="sldNum" sz="quarter" idx="12"/>
-          </p:nvPr>
-        </p:nvSpPr>
-        <p:spPr/>
-        <p:txBody>
-          <a:bodyPr/>
-          <a:lstStyle/>
-          <a:p>
-            <a:fld id="{ECE9279C-7783-41E7-AC24-D1691E4F447C}" type="slidenum">
-              <a:rPr lang="en-US" smtClean="0"/>
-              <a:t>‹#›</a:t>
-            </a:fld>
-            <a:endParaRPr lang="en-US"/>
           </a:p>
         </p:txBody>
       </p:sp>
@@ -1717,7 +1315,7 @@
         </p:nvSpPr>
         <p:spPr>
           <a:xfrm>
-            <a:off x="578000" y="3303587"/>
+            <a:off x="505928" y="3571859"/>
             <a:ext cx="6254750" cy="2270125"/>
           </a:xfrm>
         </p:spPr>
@@ -1757,17 +1355,19 @@
         </p:nvSpPr>
         <p:spPr>
           <a:xfrm>
-            <a:off x="7206892" y="396815"/>
+            <a:off x="7224145" y="983411"/>
             <a:ext cx="4550912" cy="5176897"/>
           </a:xfrm>
         </p:spPr>
         <p:txBody>
-          <a:bodyPr anchor="ctr"/>
+          <a:bodyPr anchor="ctr">
+            <a:normAutofit/>
+          </a:bodyPr>
           <a:lstStyle>
             <a:lvl1pPr marL="285750" indent="-285750">
               <a:buFont typeface="Wingdings" panose="05000000000000000000" pitchFamily="2" charset="2"/>
               <a:buChar char="§"/>
-              <a:defRPr sz="1600"/>
+              <a:defRPr sz="2400"/>
             </a:lvl1pPr>
             <a:lvl2pPr marL="457200" indent="0">
               <a:buNone/>
@@ -1805,7 +1405,7 @@
           <a:p>
             <a:pPr lvl="0"/>
             <a:r>
-              <a:rPr lang="en-US"/>
+              <a:rPr lang="en-US" dirty="0"/>
               <a:t>Click to edit Master text styles</a:t>
             </a:r>
           </a:p>
@@ -1990,7 +1590,7 @@
           <a:p>
             <a:fld id="{A55E709B-C4AD-4356-B3D6-20DACB20CCCE}" type="datetimeFigureOut">
               <a:rPr lang="en-US" smtClean="0"/>
-              <a:t>9/18/2024</a:t>
+              <a:t>9/25/2024</a:t>
             </a:fld>
             <a:endParaRPr lang="en-US"/>
           </a:p>
